--- a/Employee Performance Analysis Using Excel-6.pptx
+++ b/Employee Performance Analysis Using Excel-6.pptx
@@ -338,7 +338,7 @@
             <a:fld id="{B61BEF0D-F0BB-DE4B-95CE-6DB70DBA9567}" type="datetimeFigureOut">
               <a:rPr lang="en-US" smtClean="0"/>
               <a:pPr/>
-              <a:t>8/28/2024</a:t>
+              <a:t>9/4/2024</a:t>
             </a:fld>
             <a:endParaRPr lang="en-US" dirty="0"/>
           </a:p>
@@ -631,7 +631,7 @@
             <a:fld id="{B61BEF0D-F0BB-DE4B-95CE-6DB70DBA9567}" type="datetimeFigureOut">
               <a:rPr lang="en-US" smtClean="0"/>
               <a:pPr/>
-              <a:t>8/28/2024</a:t>
+              <a:t>9/4/2024</a:t>
             </a:fld>
             <a:endParaRPr lang="en-US" dirty="0"/>
           </a:p>
@@ -892,7 +892,7 @@
             <a:fld id="{B61BEF0D-F0BB-DE4B-95CE-6DB70DBA9567}" type="datetimeFigureOut">
               <a:rPr lang="en-US" smtClean="0"/>
               <a:pPr/>
-              <a:t>8/28/2024</a:t>
+              <a:t>9/4/2024</a:t>
             </a:fld>
             <a:endParaRPr lang="en-US" dirty="0"/>
           </a:p>
@@ -1363,7 +1363,7 @@
             <a:fld id="{B61BEF0D-F0BB-DE4B-95CE-6DB70DBA9567}" type="datetimeFigureOut">
               <a:rPr lang="en-US" smtClean="0"/>
               <a:pPr/>
-              <a:t>8/28/2024</a:t>
+              <a:t>9/4/2024</a:t>
             </a:fld>
             <a:endParaRPr lang="en-US" dirty="0"/>
           </a:p>
@@ -1545,7 +1545,7 @@
             <a:fld id="{B61BEF0D-F0BB-DE4B-95CE-6DB70DBA9567}" type="datetimeFigureOut">
               <a:rPr lang="en-US" smtClean="0"/>
               <a:pPr/>
-              <a:t>8/28/2024</a:t>
+              <a:t>9/4/2024</a:t>
             </a:fld>
             <a:endParaRPr lang="en-US" dirty="0"/>
           </a:p>
@@ -2123,7 +2123,7 @@
             <a:fld id="{B61BEF0D-F0BB-DE4B-95CE-6DB70DBA9567}" type="datetimeFigureOut">
               <a:rPr lang="en-US" smtClean="0"/>
               <a:pPr/>
-              <a:t>8/28/2024</a:t>
+              <a:t>9/4/2024</a:t>
             </a:fld>
             <a:endParaRPr lang="en-US" dirty="0"/>
           </a:p>
@@ -2457,7 +2457,7 @@
             <a:fld id="{B61BEF0D-F0BB-DE4B-95CE-6DB70DBA9567}" type="datetimeFigureOut">
               <a:rPr lang="en-US" smtClean="0"/>
               <a:pPr/>
-              <a:t>8/28/2024</a:t>
+              <a:t>9/4/2024</a:t>
             </a:fld>
             <a:endParaRPr lang="en-US" dirty="0"/>
           </a:p>
@@ -2634,7 +2634,7 @@
             <a:fld id="{B61BEF0D-F0BB-DE4B-95CE-6DB70DBA9567}" type="datetimeFigureOut">
               <a:rPr lang="en-US" smtClean="0"/>
               <a:pPr/>
-              <a:t>8/28/2024</a:t>
+              <a:t>9/4/2024</a:t>
             </a:fld>
             <a:endParaRPr lang="en-US" dirty="0"/>
           </a:p>
@@ -2816,7 +2816,7 @@
             <a:fld id="{B61BEF0D-F0BB-DE4B-95CE-6DB70DBA9567}" type="datetimeFigureOut">
               <a:rPr lang="en-US" smtClean="0"/>
               <a:pPr/>
-              <a:t>8/28/2024</a:t>
+              <a:t>9/4/2024</a:t>
             </a:fld>
             <a:endParaRPr lang="en-US" dirty="0"/>
           </a:p>
@@ -3069,7 +3069,7 @@
             <a:fld id="{B61BEF0D-F0BB-DE4B-95CE-6DB70DBA9567}" type="datetimeFigureOut">
               <a:rPr lang="en-US" dirty="0"/>
               <a:pPr/>
-              <a:t>8/28/2024</a:t>
+              <a:t>9/4/2024</a:t>
             </a:fld>
             <a:endParaRPr lang="en-US" dirty="0"/>
           </a:p>
@@ -3241,7 +3241,7 @@
             <a:fld id="{B61BEF0D-F0BB-DE4B-95CE-6DB70DBA9567}" type="datetimeFigureOut">
               <a:rPr lang="en-US" smtClean="0"/>
               <a:pPr/>
-              <a:t>8/28/2024</a:t>
+              <a:t>9/4/2024</a:t>
             </a:fld>
             <a:endParaRPr lang="en-US" dirty="0"/>
           </a:p>
@@ -3500,7 +3500,7 @@
             <a:fld id="{B61BEF0D-F0BB-DE4B-95CE-6DB70DBA9567}" type="datetimeFigureOut">
               <a:rPr lang="en-US" smtClean="0"/>
               <a:pPr/>
-              <a:t>8/28/2024</a:t>
+              <a:t>9/4/2024</a:t>
             </a:fld>
             <a:endParaRPr lang="en-US" dirty="0"/>
           </a:p>
@@ -3794,7 +3794,7 @@
             <a:fld id="{B61BEF0D-F0BB-DE4B-95CE-6DB70DBA9567}" type="datetimeFigureOut">
               <a:rPr lang="en-US" smtClean="0"/>
               <a:pPr/>
-              <a:t>8/28/2024</a:t>
+              <a:t>9/4/2024</a:t>
             </a:fld>
             <a:endParaRPr lang="en-US" dirty="0"/>
           </a:p>
@@ -4226,7 +4226,7 @@
             <a:fld id="{B61BEF0D-F0BB-DE4B-95CE-6DB70DBA9567}" type="datetimeFigureOut">
               <a:rPr lang="en-US" smtClean="0"/>
               <a:pPr/>
-              <a:t>8/28/2024</a:t>
+              <a:t>9/4/2024</a:t>
             </a:fld>
             <a:endParaRPr lang="en-US" dirty="0"/>
           </a:p>
@@ -4346,7 +4346,7 @@
             <a:fld id="{B61BEF0D-F0BB-DE4B-95CE-6DB70DBA9567}" type="datetimeFigureOut">
               <a:rPr lang="en-US" smtClean="0"/>
               <a:pPr/>
-              <a:t>8/28/2024</a:t>
+              <a:t>9/4/2024</a:t>
             </a:fld>
             <a:endParaRPr lang="en-US" dirty="0"/>
           </a:p>
@@ -4443,7 +4443,7 @@
             <a:fld id="{B61BEF0D-F0BB-DE4B-95CE-6DB70DBA9567}" type="datetimeFigureOut">
               <a:rPr lang="en-US" smtClean="0"/>
               <a:pPr/>
-              <a:t>8/28/2024</a:t>
+              <a:t>9/4/2024</a:t>
             </a:fld>
             <a:endParaRPr lang="en-US" dirty="0"/>
           </a:p>
@@ -4728,7 +4728,7 @@
             <a:fld id="{B61BEF0D-F0BB-DE4B-95CE-6DB70DBA9567}" type="datetimeFigureOut">
               <a:rPr lang="en-US" smtClean="0"/>
               <a:pPr/>
-              <a:t>8/28/2024</a:t>
+              <a:t>9/4/2024</a:t>
             </a:fld>
             <a:endParaRPr lang="en-US" dirty="0"/>
           </a:p>
@@ -5021,7 +5021,7 @@
             <a:fld id="{B61BEF0D-F0BB-DE4B-95CE-6DB70DBA9567}" type="datetimeFigureOut">
               <a:rPr lang="en-US" smtClean="0"/>
               <a:pPr/>
-              <a:t>8/28/2024</a:t>
+              <a:t>9/4/2024</a:t>
             </a:fld>
             <a:endParaRPr lang="en-US" dirty="0"/>
           </a:p>
@@ -5254,7 +5254,7 @@
             <a:fld id="{B61BEF0D-F0BB-DE4B-95CE-6DB70DBA9567}" type="datetimeFigureOut">
               <a:rPr lang="en-US" smtClean="0"/>
               <a:pPr/>
-              <a:t>8/28/2024</a:t>
+              <a:t>9/4/2024</a:t>
             </a:fld>
             <a:endParaRPr lang="en-US" dirty="0"/>
           </a:p>
@@ -6196,21 +6196,55 @@
                 <a:latin typeface="Times New Roman" panose="02020603050405020304" pitchFamily="18" charset="0"/>
                 <a:cs typeface="Times New Roman" panose="02020603050405020304" pitchFamily="18" charset="0"/>
               </a:rPr>
-              <a:t>PRESENTED BY : JENIFER.C</a:t>
-            </a:r>
-          </a:p>
-          <a:p>
-            <a:pPr algn="l"/>
-            <a:r>
-              <a:rPr lang="en-IN" dirty="0">
+              <a:t>PRESENTED BY :</a:t>
+            </a:r>
+            <a:r>
+              <a:rPr lang="en-US" dirty="0">
                 <a:solidFill>
                   <a:schemeClr val="tx1"/>
                 </a:solidFill>
                 <a:latin typeface="Times New Roman" panose="02020603050405020304" pitchFamily="18" charset="0"/>
                 <a:cs typeface="Times New Roman" panose="02020603050405020304" pitchFamily="18" charset="0"/>
               </a:rPr>
-              <a:t>REGISTER NO: 312207857</a:t>
-            </a:r>
+              <a:t> Alan .G</a:t>
+            </a:r>
+            <a:endParaRPr lang="en-IN" dirty="0">
+              <a:solidFill>
+                <a:schemeClr val="tx1"/>
+              </a:solidFill>
+              <a:latin typeface="Times New Roman" panose="02020603050405020304" pitchFamily="18" charset="0"/>
+              <a:cs typeface="Times New Roman" panose="02020603050405020304" pitchFamily="18" charset="0"/>
+            </a:endParaRPr>
+          </a:p>
+          <a:p>
+            <a:pPr algn="l"/>
+            <a:r>
+              <a:rPr lang="en-IN" dirty="0">
+                <a:solidFill>
+                  <a:schemeClr val="tx1"/>
+                </a:solidFill>
+                <a:latin typeface="Times New Roman" panose="02020603050405020304" pitchFamily="18" charset="0"/>
+                <a:cs typeface="Times New Roman" panose="02020603050405020304" pitchFamily="18" charset="0"/>
+              </a:rPr>
+              <a:t>REGISTER NO: 312207</a:t>
+            </a:r>
+            <a:r>
+              <a:rPr lang="en-US" dirty="0">
+                <a:solidFill>
+                  <a:schemeClr val="tx1"/>
+                </a:solidFill>
+                <a:latin typeface="Times New Roman" panose="02020603050405020304" pitchFamily="18" charset="0"/>
+                <a:cs typeface="Times New Roman" panose="02020603050405020304" pitchFamily="18" charset="0"/>
+              </a:rPr>
+              <a:t>882</a:t>
+            </a:r>
+            <a:endParaRPr lang="en-IN" dirty="0">
+              <a:solidFill>
+                <a:schemeClr val="tx1"/>
+              </a:solidFill>
+              <a:latin typeface="Times New Roman" panose="02020603050405020304" pitchFamily="18" charset="0"/>
+              <a:cs typeface="Times New Roman" panose="02020603050405020304" pitchFamily="18" charset="0"/>
+            </a:endParaRPr>
           </a:p>
           <a:p>
             <a:pPr algn="l"/>
